--- a/_posts/HBASE以及OpenTsdb基本原理介绍.pptx
+++ b/_posts/HBASE以及OpenTsdb基本原理介绍.pptx
@@ -293,7 +293,7 @@
                 <a:latin typeface="微软雅黑" panose="020B0503020204020204" pitchFamily="34" charset="-122"/>
                 <a:ea typeface="微软雅黑" panose="020B0503020204020204" pitchFamily="34" charset="-122"/>
               </a:rPr>
-              <a:t>2018年11月22日</a:t>
+              <a:t>2018年12月24日</a:t>
             </a:fld>
             <a:endParaRPr lang="zh-CN" altLang="en-US" dirty="0">
               <a:latin typeface="微软雅黑" panose="020B0503020204020204" pitchFamily="34" charset="-122"/>
@@ -478,7 +478,7 @@
             <a:fld id="{709F6B0C-6D1E-4F53-A8D4-0EE188F290A5}" type="datetime2">
               <a:rPr lang="zh-CN" altLang="en-US" smtClean="0"/>
               <a:pPr/>
-              <a:t>2018年11月22日</a:t>
+              <a:t>2018年12月24日</a:t>
             </a:fld>
             <a:endParaRPr lang="en-US" dirty="0"/>
           </a:p>
@@ -2532,7 +2532,7 @@
             <a:fld id="{CD11CD66-A5DC-4DA4-9F16-86D76EE3D28C}" type="datetime2">
               <a:rPr lang="zh-CN" altLang="en-US" smtClean="0"/>
               <a:pPr/>
-              <a:t>2018年11月22日</a:t>
+              <a:t>2018年12月24日</a:t>
             </a:fld>
             <a:endParaRPr lang="en-US" dirty="0"/>
           </a:p>
@@ -2735,7 +2735,7 @@
             <a:pPr rtl="0"/>
             <a:fld id="{9901956E-1F06-4164-BE4D-6DAEAD41794D}" type="datetime2">
               <a:rPr lang="zh-CN" altLang="en-US" smtClean="0"/>
-              <a:t>2018年11月22日</a:t>
+              <a:t>2018年12月24日</a:t>
             </a:fld>
             <a:endParaRPr lang="en-US" dirty="0"/>
           </a:p>
@@ -2935,7 +2935,7 @@
             <a:pPr rtl="0"/>
             <a:fld id="{0B6F4438-3803-4880-BD4A-05A7E0A21AC6}" type="datetime2">
               <a:rPr lang="zh-CN" altLang="en-US" smtClean="0"/>
-              <a:t>2018年11月22日</a:t>
+              <a:t>2018年12月24日</a:t>
             </a:fld>
             <a:endParaRPr lang="en-US" dirty="0"/>
           </a:p>
@@ -3371,7 +3371,7 @@
           <a:p>
             <a:fld id="{B6646B47-A73D-4F6F-AD82-C99F4E62F746}" type="datetime2">
               <a:rPr lang="zh-CN" altLang="en-US" smtClean="0"/>
-              <a:t>2018年11月22日</a:t>
+              <a:t>2018年12月24日</a:t>
             </a:fld>
             <a:endParaRPr lang="en-US" dirty="0"/>
           </a:p>
@@ -3586,7 +3586,7 @@
             <a:pPr rtl="0"/>
             <a:fld id="{FD45D8D3-C53C-4365-92C7-E8127B1A303F}" type="datetime2">
               <a:rPr lang="zh-CN" altLang="en-US" smtClean="0"/>
-              <a:t>2018年11月22日</a:t>
+              <a:t>2018年12月24日</a:t>
             </a:fld>
             <a:endParaRPr lang="en-US" dirty="0"/>
           </a:p>
@@ -3839,7 +3839,7 @@
             <a:pPr rtl="0"/>
             <a:fld id="{B26F76AF-62D1-44AB-97DC-928467407F16}" type="datetime2">
               <a:rPr lang="zh-CN" altLang="en-US" smtClean="0"/>
-              <a:t>2018年11月22日</a:t>
+              <a:t>2018年12月24日</a:t>
             </a:fld>
             <a:endParaRPr lang="en-US"/>
           </a:p>
@@ -4128,7 +4128,7 @@
             <a:pPr rtl="0"/>
             <a:fld id="{A77DD1BF-0CA4-45C0-B145-3B71A9C91F32}" type="datetime2">
               <a:rPr lang="zh-CN" altLang="en-US" smtClean="0"/>
-              <a:t>2018年11月22日</a:t>
+              <a:t>2018年12月24日</a:t>
             </a:fld>
             <a:endParaRPr lang="en-US" dirty="0"/>
           </a:p>
@@ -4531,7 +4531,7 @@
             <a:pPr rtl="0"/>
             <a:fld id="{F62F6F57-75CB-45F9-B36A-87034102BC28}" type="datetime2">
               <a:rPr lang="zh-CN" altLang="en-US" smtClean="0"/>
-              <a:t>2018年11月22日</a:t>
+              <a:t>2018年12月24日</a:t>
             </a:fld>
             <a:endParaRPr lang="en-US" dirty="0"/>
           </a:p>
@@ -4706,7 +4706,7 @@
             <a:pPr rtl="0"/>
             <a:fld id="{0D078EEB-FFCC-4107-9E10-33B7696F266B}" type="datetime2">
               <a:rPr lang="zh-CN" altLang="en-US" smtClean="0"/>
-              <a:t>2018年11月22日</a:t>
+              <a:t>2018年12月24日</a:t>
             </a:fld>
             <a:endParaRPr lang="en-US" dirty="0"/>
           </a:p>
@@ -4820,7 +4820,7 @@
             <a:pPr rtl="0"/>
             <a:fld id="{8F45204D-C376-4E95-AA80-BE101B54CAA7}" type="datetime2">
               <a:rPr lang="zh-CN" altLang="en-US" smtClean="0"/>
-              <a:t>2018年11月22日</a:t>
+              <a:t>2018年12月24日</a:t>
             </a:fld>
             <a:endParaRPr lang="en-US" dirty="0"/>
           </a:p>
@@ -5106,7 +5106,7 @@
             <a:pPr rtl="0"/>
             <a:fld id="{822B7A0D-F62E-4A31-8FE1-9C12BAFEE7E0}" type="datetime2">
               <a:rPr lang="zh-CN" altLang="en-US" smtClean="0"/>
-              <a:t>2018年11月22日</a:t>
+              <a:t>2018年12月24日</a:t>
             </a:fld>
             <a:endParaRPr lang="en-US" dirty="0"/>
           </a:p>
@@ -5487,7 +5487,7 @@
             <a:fld id="{C8112245-B2EB-463D-A54F-27C0EBF0BB6B}" type="datetime2">
               <a:rPr lang="zh-CN" altLang="en-US" smtClean="0"/>
               <a:pPr/>
-              <a:t>2018年11月22日</a:t>
+              <a:t>2018年12月24日</a:t>
             </a:fld>
             <a:endParaRPr lang="en-US"/>
           </a:p>
@@ -6550,7 +6550,7 @@
             <a:fld id="{A1BF8D8E-2417-46C9-A78C-AA0D8A744E10}" type="datetime2">
               <a:rPr lang="zh-CN" altLang="en-US" smtClean="0"/>
               <a:pPr/>
-              <a:t>2018年11月22日</a:t>
+              <a:t>2018年12月24日</a:t>
             </a:fld>
             <a:endParaRPr lang="en-US" dirty="0"/>
           </a:p>
@@ -24855,7 +24855,7 @@
           <a:noFill/>
           <a:extLst>
             <a:ext uri="{909E8E84-426E-40dd-AFC4-6F175D3DCCD1}">
-              <a14:hiddenFill xmlns="" xmlns:a14="http://schemas.microsoft.com/office/drawing/2010/main">
+              <a14:hiddenFill xmlns:a14="http://schemas.microsoft.com/office/drawing/2010/main" xmlns="">
                 <a:solidFill>
                   <a:srgbClr val="FFFFFF"/>
                 </a:solidFill>
@@ -37030,11 +37030,7 @@
             </a:r>
             <a:r>
               <a:rPr lang="zh-CN" altLang="en-US" dirty="0" smtClean="0"/>
-              <a:t>基本原理</a:t>
-            </a:r>
-            <a:r>
-              <a:rPr lang="zh-CN" altLang="en-US" dirty="0" smtClean="0"/>
-              <a:t>介绍</a:t>
+              <a:t>基本原理介绍</a:t>
             </a:r>
             <a:endParaRPr lang="zh-CN" altLang="en-US" dirty="0"/>
           </a:p>
